--- a/lab3/实验三.pptx
+++ b/lab3/实验三.pptx
@@ -212,7 +212,7 @@
           <a:p>
             <a:fld id="{97E367C1-AB6A-4C6A-8E9D-A700DA08EB98}" type="datetimeFigureOut">
               <a:rPr lang="zh-CN" altLang="en-US" smtClean="0"/>
-              <a:t>2024/4/1</a:t>
+              <a:t>2024/4/17</a:t>
             </a:fld>
             <a:endParaRPr lang="zh-CN" altLang="en-US"/>
           </a:p>
@@ -1120,7 +1120,7 @@
           <a:p>
             <a:fld id="{5736266F-A7E6-4DBB-848D-016AD00C13DB}" type="datetimeFigureOut">
               <a:rPr lang="zh-CN" altLang="en-US" smtClean="0"/>
-              <a:t>2024/4/1</a:t>
+              <a:t>2024/4/17</a:t>
             </a:fld>
             <a:endParaRPr lang="zh-CN" altLang="en-US"/>
           </a:p>
@@ -1285,7 +1285,7 @@
           <a:p>
             <a:fld id="{5736266F-A7E6-4DBB-848D-016AD00C13DB}" type="datetimeFigureOut">
               <a:rPr lang="zh-CN" altLang="en-US" smtClean="0"/>
-              <a:t>2024/4/1</a:t>
+              <a:t>2024/4/17</a:t>
             </a:fld>
             <a:endParaRPr lang="zh-CN" altLang="en-US"/>
           </a:p>
@@ -1460,7 +1460,7 @@
           <a:p>
             <a:fld id="{5736266F-A7E6-4DBB-848D-016AD00C13DB}" type="datetimeFigureOut">
               <a:rPr lang="zh-CN" altLang="en-US" smtClean="0"/>
-              <a:t>2024/4/1</a:t>
+              <a:t>2024/4/17</a:t>
             </a:fld>
             <a:endParaRPr lang="zh-CN" altLang="en-US"/>
           </a:p>
@@ -1658,7 +1658,7 @@
           <a:p>
             <a:fld id="{5736266F-A7E6-4DBB-848D-016AD00C13DB}" type="datetimeFigureOut">
               <a:rPr lang="zh-CN" altLang="en-US" smtClean="0"/>
-              <a:t>2024/4/1</a:t>
+              <a:t>2024/4/17</a:t>
             </a:fld>
             <a:endParaRPr lang="zh-CN" altLang="en-US"/>
           </a:p>
@@ -1823,7 +1823,7 @@
           <a:p>
             <a:fld id="{5736266F-A7E6-4DBB-848D-016AD00C13DB}" type="datetimeFigureOut">
               <a:rPr lang="zh-CN" altLang="en-US" smtClean="0"/>
-              <a:t>2024/4/1</a:t>
+              <a:t>2024/4/17</a:t>
             </a:fld>
             <a:endParaRPr lang="zh-CN" altLang="en-US"/>
           </a:p>
@@ -2069,7 +2069,7 @@
           <a:p>
             <a:fld id="{5736266F-A7E6-4DBB-848D-016AD00C13DB}" type="datetimeFigureOut">
               <a:rPr lang="zh-CN" altLang="en-US" smtClean="0"/>
-              <a:t>2024/4/1</a:t>
+              <a:t>2024/4/17</a:t>
             </a:fld>
             <a:endParaRPr lang="zh-CN" altLang="en-US"/>
           </a:p>
@@ -2296,7 +2296,7 @@
           <a:p>
             <a:fld id="{5736266F-A7E6-4DBB-848D-016AD00C13DB}" type="datetimeFigureOut">
               <a:rPr lang="zh-CN" altLang="en-US" smtClean="0"/>
-              <a:t>2024/4/1</a:t>
+              <a:t>2024/4/17</a:t>
             </a:fld>
             <a:endParaRPr lang="zh-CN" altLang="en-US"/>
           </a:p>
@@ -2638,7 +2638,7 @@
           <a:p>
             <a:fld id="{5736266F-A7E6-4DBB-848D-016AD00C13DB}" type="datetimeFigureOut">
               <a:rPr lang="zh-CN" altLang="en-US" smtClean="0"/>
-              <a:t>2024/4/1</a:t>
+              <a:t>2024/4/17</a:t>
             </a:fld>
             <a:endParaRPr lang="zh-CN" altLang="en-US"/>
           </a:p>
@@ -2751,7 +2751,7 @@
           <a:p>
             <a:fld id="{5736266F-A7E6-4DBB-848D-016AD00C13DB}" type="datetimeFigureOut">
               <a:rPr lang="zh-CN" altLang="en-US" smtClean="0"/>
-              <a:t>2024/4/1</a:t>
+              <a:t>2024/4/17</a:t>
             </a:fld>
             <a:endParaRPr lang="zh-CN" altLang="en-US"/>
           </a:p>
@@ -2864,7 +2864,7 @@
           <a:p>
             <a:fld id="{5736266F-A7E6-4DBB-848D-016AD00C13DB}" type="datetimeFigureOut">
               <a:rPr lang="zh-CN" altLang="en-US" smtClean="0"/>
-              <a:t>2024/4/1</a:t>
+              <a:t>2024/4/17</a:t>
             </a:fld>
             <a:endParaRPr lang="zh-CN" altLang="en-US"/>
           </a:p>
@@ -3143,7 +3143,7 @@
           <a:p>
             <a:fld id="{5736266F-A7E6-4DBB-848D-016AD00C13DB}" type="datetimeFigureOut">
               <a:rPr lang="zh-CN" altLang="en-US" smtClean="0"/>
-              <a:t>2024/4/1</a:t>
+              <a:t>2024/4/17</a:t>
             </a:fld>
             <a:endParaRPr lang="zh-CN" altLang="en-US"/>
           </a:p>
@@ -3308,7 +3308,7 @@
           <a:p>
             <a:fld id="{5736266F-A7E6-4DBB-848D-016AD00C13DB}" type="datetimeFigureOut">
               <a:rPr lang="zh-CN" altLang="en-US" smtClean="0"/>
-              <a:t>2024/4/1</a:t>
+              <a:t>2024/4/17</a:t>
             </a:fld>
             <a:endParaRPr lang="zh-CN" altLang="en-US"/>
           </a:p>
@@ -3567,7 +3567,7 @@
           <a:p>
             <a:fld id="{5736266F-A7E6-4DBB-848D-016AD00C13DB}" type="datetimeFigureOut">
               <a:rPr lang="zh-CN" altLang="en-US" smtClean="0"/>
-              <a:t>2024/4/1</a:t>
+              <a:t>2024/4/17</a:t>
             </a:fld>
             <a:endParaRPr lang="zh-CN" altLang="en-US"/>
           </a:p>
@@ -3732,7 +3732,7 @@
           <a:p>
             <a:fld id="{5736266F-A7E6-4DBB-848D-016AD00C13DB}" type="datetimeFigureOut">
               <a:rPr lang="zh-CN" altLang="en-US" smtClean="0"/>
-              <a:t>2024/4/1</a:t>
+              <a:t>2024/4/17</a:t>
             </a:fld>
             <a:endParaRPr lang="zh-CN" altLang="en-US"/>
           </a:p>
@@ -3907,7 +3907,7 @@
           <a:p>
             <a:fld id="{5736266F-A7E6-4DBB-848D-016AD00C13DB}" type="datetimeFigureOut">
               <a:rPr lang="zh-CN" altLang="en-US" smtClean="0"/>
-              <a:t>2024/4/1</a:t>
+              <a:t>2024/4/17</a:t>
             </a:fld>
             <a:endParaRPr lang="zh-CN" altLang="en-US"/>
           </a:p>
@@ -4450,7 +4450,7 @@
           <a:p>
             <a:fld id="{5736266F-A7E6-4DBB-848D-016AD00C13DB}" type="datetimeFigureOut">
               <a:rPr lang="zh-CN" altLang="en-US" smtClean="0"/>
-              <a:t>2024/4/1</a:t>
+              <a:t>2024/4/17</a:t>
             </a:fld>
             <a:endParaRPr lang="zh-CN" altLang="en-US"/>
           </a:p>
@@ -4844,7 +4844,7 @@
           <a:p>
             <a:fld id="{5736266F-A7E6-4DBB-848D-016AD00C13DB}" type="datetimeFigureOut">
               <a:rPr lang="zh-CN" altLang="en-US" smtClean="0"/>
-              <a:t>2024/4/1</a:t>
+              <a:t>2024/4/17</a:t>
             </a:fld>
             <a:endParaRPr lang="zh-CN" altLang="en-US"/>
           </a:p>
@@ -5274,7 +5274,7 @@
           <a:p>
             <a:fld id="{5736266F-A7E6-4DBB-848D-016AD00C13DB}" type="datetimeFigureOut">
               <a:rPr lang="zh-CN" altLang="en-US" smtClean="0"/>
-              <a:t>2024/4/1</a:t>
+              <a:t>2024/4/17</a:t>
             </a:fld>
             <a:endParaRPr lang="zh-CN" altLang="en-US"/>
           </a:p>
@@ -5793,7 +5793,7 @@
           <a:p>
             <a:fld id="{5736266F-A7E6-4DBB-848D-016AD00C13DB}" type="datetimeFigureOut">
               <a:rPr lang="zh-CN" altLang="en-US" smtClean="0"/>
-              <a:t>2024/4/1</a:t>
+              <a:t>2024/4/17</a:t>
             </a:fld>
             <a:endParaRPr lang="zh-CN" altLang="en-US"/>
           </a:p>
@@ -5934,7 +5934,7 @@
           <a:p>
             <a:fld id="{5736266F-A7E6-4DBB-848D-016AD00C13DB}" type="datetimeFigureOut">
               <a:rPr lang="zh-CN" altLang="en-US" smtClean="0"/>
-              <a:t>2024/4/1</a:t>
+              <a:t>2024/4/17</a:t>
             </a:fld>
             <a:endParaRPr lang="zh-CN" altLang="en-US"/>
           </a:p>
@@ -6043,7 +6043,7 @@
           <a:p>
             <a:fld id="{5736266F-A7E6-4DBB-848D-016AD00C13DB}" type="datetimeFigureOut">
               <a:rPr lang="zh-CN" altLang="en-US" smtClean="0"/>
-              <a:t>2024/4/1</a:t>
+              <a:t>2024/4/17</a:t>
             </a:fld>
             <a:endParaRPr lang="zh-CN" altLang="en-US"/>
           </a:p>
@@ -6313,7 +6313,7 @@
           <a:p>
             <a:fld id="{5736266F-A7E6-4DBB-848D-016AD00C13DB}" type="datetimeFigureOut">
               <a:rPr lang="zh-CN" altLang="en-US" smtClean="0"/>
-              <a:t>2024/4/1</a:t>
+              <a:t>2024/4/17</a:t>
             </a:fld>
             <a:endParaRPr lang="zh-CN" altLang="en-US"/>
           </a:p>
@@ -6571,7 +6571,7 @@
           <a:p>
             <a:fld id="{5736266F-A7E6-4DBB-848D-016AD00C13DB}" type="datetimeFigureOut">
               <a:rPr lang="zh-CN" altLang="en-US" smtClean="0"/>
-              <a:t>2024/4/1</a:t>
+              <a:t>2024/4/17</a:t>
             </a:fld>
             <a:endParaRPr lang="zh-CN" altLang="en-US"/>
           </a:p>
@@ -7040,7 +7040,7 @@
           <a:p>
             <a:fld id="{5736266F-A7E6-4DBB-848D-016AD00C13DB}" type="datetimeFigureOut">
               <a:rPr lang="zh-CN" altLang="en-US" smtClean="0"/>
-              <a:t>2024/4/1</a:t>
+              <a:t>2024/4/17</a:t>
             </a:fld>
             <a:endParaRPr lang="zh-CN" altLang="en-US"/>
           </a:p>
@@ -7233,7 +7233,7 @@
           <a:p>
             <a:fld id="{5736266F-A7E6-4DBB-848D-016AD00C13DB}" type="datetimeFigureOut">
               <a:rPr lang="zh-CN" altLang="en-US" smtClean="0"/>
-              <a:t>2024/4/1</a:t>
+              <a:t>2024/4/17</a:t>
             </a:fld>
             <a:endParaRPr lang="zh-CN" altLang="en-US"/>
           </a:p>
@@ -7586,7 +7586,7 @@
           <a:p>
             <a:fld id="{5736266F-A7E6-4DBB-848D-016AD00C13DB}" type="datetimeFigureOut">
               <a:rPr lang="zh-CN" altLang="en-US" smtClean="0"/>
-              <a:t>2024/4/1</a:t>
+              <a:t>2024/4/17</a:t>
             </a:fld>
             <a:endParaRPr lang="zh-CN" altLang="en-US"/>
           </a:p>
@@ -7903,7 +7903,7 @@
           <a:p>
             <a:fld id="{5736266F-A7E6-4DBB-848D-016AD00C13DB}" type="datetimeFigureOut">
               <a:rPr lang="zh-CN" altLang="en-US" smtClean="0"/>
-              <a:t>2024/4/1</a:t>
+              <a:t>2024/4/17</a:t>
             </a:fld>
             <a:endParaRPr lang="zh-CN" altLang="en-US"/>
           </a:p>
@@ -8147,7 +8147,7 @@
           <a:p>
             <a:fld id="{5736266F-A7E6-4DBB-848D-016AD00C13DB}" type="datetimeFigureOut">
               <a:rPr lang="zh-CN" altLang="en-US" smtClean="0"/>
-              <a:t>2024/4/1</a:t>
+              <a:t>2024/4/17</a:t>
             </a:fld>
             <a:endParaRPr lang="zh-CN" altLang="en-US"/>
           </a:p>
@@ -8447,7 +8447,7 @@
           <a:p>
             <a:fld id="{5736266F-A7E6-4DBB-848D-016AD00C13DB}" type="datetimeFigureOut">
               <a:rPr lang="zh-CN" altLang="en-US" smtClean="0"/>
-              <a:t>2024/4/1</a:t>
+              <a:t>2024/4/17</a:t>
             </a:fld>
             <a:endParaRPr lang="zh-CN" altLang="en-US"/>
           </a:p>
@@ -8691,7 +8691,7 @@
           <a:p>
             <a:fld id="{5736266F-A7E6-4DBB-848D-016AD00C13DB}" type="datetimeFigureOut">
               <a:rPr lang="zh-CN" altLang="en-US" smtClean="0"/>
-              <a:t>2024/4/1</a:t>
+              <a:t>2024/4/17</a:t>
             </a:fld>
             <a:endParaRPr lang="zh-CN" altLang="en-US"/>
           </a:p>
@@ -8992,7 +8992,7 @@
           <a:p>
             <a:fld id="{5736266F-A7E6-4DBB-848D-016AD00C13DB}" type="datetimeFigureOut">
               <a:rPr lang="zh-CN" altLang="en-US" smtClean="0"/>
-              <a:t>2024/4/1</a:t>
+              <a:t>2024/4/17</a:t>
             </a:fld>
             <a:endParaRPr lang="zh-CN" altLang="en-US"/>
           </a:p>
@@ -9293,7 +9293,7 @@
           <a:p>
             <a:fld id="{5736266F-A7E6-4DBB-848D-016AD00C13DB}" type="datetimeFigureOut">
               <a:rPr lang="zh-CN" altLang="en-US" smtClean="0"/>
-              <a:t>2024/4/1</a:t>
+              <a:t>2024/4/17</a:t>
             </a:fld>
             <a:endParaRPr lang="zh-CN" altLang="en-US"/>
           </a:p>
@@ -9528,7 +9528,7 @@
           <a:p>
             <a:fld id="{5736266F-A7E6-4DBB-848D-016AD00C13DB}" type="datetimeFigureOut">
               <a:rPr lang="zh-CN" altLang="en-US" smtClean="0"/>
-              <a:t>2024/4/1</a:t>
+              <a:t>2024/4/17</a:t>
             </a:fld>
             <a:endParaRPr lang="zh-CN" altLang="en-US"/>
           </a:p>
@@ -9878,7 +9878,7 @@
           <a:p>
             <a:fld id="{5736266F-A7E6-4DBB-848D-016AD00C13DB}" type="datetimeFigureOut">
               <a:rPr lang="zh-CN" altLang="en-US" smtClean="0"/>
-              <a:t>2024/4/1</a:t>
+              <a:t>2024/4/17</a:t>
             </a:fld>
             <a:endParaRPr lang="zh-CN" altLang="en-US"/>
           </a:p>
@@ -10122,7 +10122,7 @@
           <a:p>
             <a:fld id="{5736266F-A7E6-4DBB-848D-016AD00C13DB}" type="datetimeFigureOut">
               <a:rPr lang="zh-CN" altLang="en-US" smtClean="0"/>
-              <a:t>2024/4/1</a:t>
+              <a:t>2024/4/17</a:t>
             </a:fld>
             <a:endParaRPr lang="zh-CN" altLang="en-US"/>
           </a:p>
@@ -10224,7 +10224,7 @@
           <a:p>
             <a:fld id="{5736266F-A7E6-4DBB-848D-016AD00C13DB}" type="datetimeFigureOut">
               <a:rPr lang="zh-CN" altLang="en-US" smtClean="0"/>
-              <a:t>2024/4/1</a:t>
+              <a:t>2024/4/17</a:t>
             </a:fld>
             <a:endParaRPr lang="zh-CN" altLang="en-US"/>
           </a:p>
@@ -10383,7 +10383,7 @@
           <a:p>
             <a:fld id="{5736266F-A7E6-4DBB-848D-016AD00C13DB}" type="datetimeFigureOut">
               <a:rPr lang="zh-CN" altLang="en-US" smtClean="0"/>
-              <a:t>2024/4/1</a:t>
+              <a:t>2024/4/17</a:t>
             </a:fld>
             <a:endParaRPr lang="zh-CN" altLang="en-US"/>
           </a:p>
@@ -10576,7 +10576,7 @@
           <a:p>
             <a:fld id="{FE2F4AC3-D76C-4930-B0CE-0F02FAFD246D}" type="datetimeFigureOut">
               <a:rPr lang="zh-CN" altLang="en-US" smtClean="0"/>
-              <a:t>2024/4/1</a:t>
+              <a:t>2024/4/17</a:t>
             </a:fld>
             <a:endParaRPr lang="zh-CN" altLang="en-US"/>
           </a:p>
@@ -10739,7 +10739,7 @@
           <a:p>
             <a:fld id="{FE2F4AC3-D76C-4930-B0CE-0F02FAFD246D}" type="datetimeFigureOut">
               <a:rPr lang="zh-CN" altLang="en-US" smtClean="0"/>
-              <a:t>2024/4/1</a:t>
+              <a:t>2024/4/17</a:t>
             </a:fld>
             <a:endParaRPr lang="zh-CN" altLang="en-US"/>
           </a:p>
@@ -10979,7 +10979,7 @@
           <a:p>
             <a:fld id="{FE2F4AC3-D76C-4930-B0CE-0F02FAFD246D}" type="datetimeFigureOut">
               <a:rPr lang="zh-CN" altLang="en-US" smtClean="0"/>
-              <a:t>2024/4/1</a:t>
+              <a:t>2024/4/17</a:t>
             </a:fld>
             <a:endParaRPr lang="zh-CN" altLang="en-US"/>
           </a:p>
@@ -11203,7 +11203,7 @@
           <a:p>
             <a:fld id="{FE2F4AC3-D76C-4930-B0CE-0F02FAFD246D}" type="datetimeFigureOut">
               <a:rPr lang="zh-CN" altLang="en-US" smtClean="0"/>
-              <a:t>2024/4/1</a:t>
+              <a:t>2024/4/17</a:t>
             </a:fld>
             <a:endParaRPr lang="zh-CN" altLang="en-US"/>
           </a:p>
@@ -11562,7 +11562,7 @@
           <a:p>
             <a:fld id="{FE2F4AC3-D76C-4930-B0CE-0F02FAFD246D}" type="datetimeFigureOut">
               <a:rPr lang="zh-CN" altLang="en-US" smtClean="0"/>
-              <a:t>2024/4/1</a:t>
+              <a:t>2024/4/17</a:t>
             </a:fld>
             <a:endParaRPr lang="zh-CN" altLang="en-US"/>
           </a:p>
@@ -11674,7 +11674,7 @@
           <a:p>
             <a:fld id="{FE2F4AC3-D76C-4930-B0CE-0F02FAFD246D}" type="datetimeFigureOut">
               <a:rPr lang="zh-CN" altLang="en-US" smtClean="0"/>
-              <a:t>2024/4/1</a:t>
+              <a:t>2024/4/17</a:t>
             </a:fld>
             <a:endParaRPr lang="zh-CN" altLang="en-US"/>
           </a:p>
@@ -12016,7 +12016,7 @@
           <a:p>
             <a:fld id="{5736266F-A7E6-4DBB-848D-016AD00C13DB}" type="datetimeFigureOut">
               <a:rPr lang="zh-CN" altLang="en-US" smtClean="0"/>
-              <a:t>2024/4/1</a:t>
+              <a:t>2024/4/17</a:t>
             </a:fld>
             <a:endParaRPr lang="zh-CN" altLang="en-US"/>
           </a:p>
@@ -12129,7 +12129,7 @@
           <a:p>
             <a:fld id="{FE2F4AC3-D76C-4930-B0CE-0F02FAFD246D}" type="datetimeFigureOut">
               <a:rPr lang="zh-CN" altLang="en-US" smtClean="0"/>
-              <a:t>2024/4/1</a:t>
+              <a:t>2024/4/17</a:t>
             </a:fld>
             <a:endParaRPr lang="zh-CN" altLang="en-US"/>
           </a:p>
@@ -12399,7 +12399,7 @@
           <a:p>
             <a:fld id="{FE2F4AC3-D76C-4930-B0CE-0F02FAFD246D}" type="datetimeFigureOut">
               <a:rPr lang="zh-CN" altLang="en-US" smtClean="0"/>
-              <a:t>2024/4/1</a:t>
+              <a:t>2024/4/17</a:t>
             </a:fld>
             <a:endParaRPr lang="zh-CN" altLang="en-US"/>
           </a:p>
@@ -12649,7 +12649,7 @@
           <a:p>
             <a:fld id="{FE2F4AC3-D76C-4930-B0CE-0F02FAFD246D}" type="datetimeFigureOut">
               <a:rPr lang="zh-CN" altLang="en-US" smtClean="0"/>
-              <a:t>2024/4/1</a:t>
+              <a:t>2024/4/17</a:t>
             </a:fld>
             <a:endParaRPr lang="zh-CN" altLang="en-US"/>
           </a:p>
@@ -12812,7 +12812,7 @@
           <a:p>
             <a:fld id="{FE2F4AC3-D76C-4930-B0CE-0F02FAFD246D}" type="datetimeFigureOut">
               <a:rPr lang="zh-CN" altLang="en-US" smtClean="0"/>
-              <a:t>2024/4/1</a:t>
+              <a:t>2024/4/17</a:t>
             </a:fld>
             <a:endParaRPr lang="zh-CN" altLang="en-US"/>
           </a:p>
@@ -12985,7 +12985,7 @@
           <a:p>
             <a:fld id="{FE2F4AC3-D76C-4930-B0CE-0F02FAFD246D}" type="datetimeFigureOut">
               <a:rPr lang="zh-CN" altLang="en-US" smtClean="0"/>
-              <a:t>2024/4/1</a:t>
+              <a:t>2024/4/17</a:t>
             </a:fld>
             <a:endParaRPr lang="zh-CN" altLang="en-US"/>
           </a:p>
@@ -13535,7 +13535,7 @@
                   <a:srgbClr val="775F55"/>
                 </a:solidFill>
               </a:rPr>
-              <a:t>4/1/2024</a:t>
+              <a:t>4/17/2024</a:t>
             </a:fld>
             <a:endParaRPr lang="en-US" altLang="zh-CN">
               <a:solidFill>
@@ -13966,7 +13966,7 @@
                   <a:srgbClr val="775F55"/>
                 </a:solidFill>
               </a:rPr>
-              <a:t>4/1/2024</a:t>
+              <a:t>4/17/2024</a:t>
             </a:fld>
             <a:endParaRPr lang="en-US" altLang="zh-CN">
               <a:solidFill>
@@ -14425,7 +14425,7 @@
                   <a:srgbClr val="775F55"/>
                 </a:solidFill>
               </a:rPr>
-              <a:t>4/1/2024</a:t>
+              <a:t>4/17/2024</a:t>
             </a:fld>
             <a:endParaRPr lang="en-US" altLang="zh-CN">
               <a:solidFill>
@@ -14973,7 +14973,7 @@
                   <a:srgbClr val="775F55"/>
                 </a:solidFill>
               </a:rPr>
-              <a:t>4/1/2024</a:t>
+              <a:t>4/17/2024</a:t>
             </a:fld>
             <a:endParaRPr lang="en-US" altLang="zh-CN">
               <a:solidFill>
@@ -15109,7 +15109,7 @@
           <a:p>
             <a:fld id="{5736266F-A7E6-4DBB-848D-016AD00C13DB}" type="datetimeFigureOut">
               <a:rPr lang="zh-CN" altLang="en-US" smtClean="0"/>
-              <a:t>2024/4/1</a:t>
+              <a:t>2024/4/17</a:t>
             </a:fld>
             <a:endParaRPr lang="zh-CN" altLang="en-US"/>
           </a:p>
@@ -15256,7 +15256,7 @@
                   <a:srgbClr val="775F55"/>
                 </a:solidFill>
               </a:rPr>
-              <a:t>4/1/2024</a:t>
+              <a:t>4/17/2024</a:t>
             </a:fld>
             <a:endParaRPr lang="en-US" altLang="zh-CN">
               <a:solidFill>
@@ -15402,7 +15402,7 @@
                   <a:srgbClr val="775F55"/>
                 </a:solidFill>
               </a:rPr>
-              <a:t>4/1/2024</a:t>
+              <a:t>4/17/2024</a:t>
             </a:fld>
             <a:endParaRPr lang="en-US" altLang="zh-CN">
               <a:solidFill>
@@ -15721,7 +15721,7 @@
                   <a:srgbClr val="775F55"/>
                 </a:solidFill>
               </a:rPr>
-              <a:t>4/1/2024</a:t>
+              <a:t>4/17/2024</a:t>
             </a:fld>
             <a:endParaRPr lang="en-US" altLang="zh-CN">
               <a:solidFill>
@@ -16227,7 +16227,7 @@
                   <a:srgbClr val="775F55"/>
                 </a:solidFill>
               </a:rPr>
-              <a:t>4/1/2024</a:t>
+              <a:t>4/17/2024</a:t>
             </a:fld>
             <a:endParaRPr lang="en-US" altLang="zh-CN">
               <a:solidFill>
@@ -16444,7 +16444,7 @@
                   <a:srgbClr val="775F55"/>
                 </a:solidFill>
               </a:rPr>
-              <a:t>4/1/2024</a:t>
+              <a:t>4/17/2024</a:t>
             </a:fld>
             <a:endParaRPr lang="en-US" altLang="zh-CN">
               <a:solidFill>
@@ -16834,7 +16834,7 @@
                   <a:srgbClr val="775F55"/>
                 </a:solidFill>
               </a:rPr>
-              <a:t>4/1/2024</a:t>
+              <a:t>4/17/2024</a:t>
             </a:fld>
             <a:endParaRPr lang="en-US" altLang="zh-CN">
               <a:solidFill>
@@ -17180,7 +17180,7 @@
                   <a:srgbClr val="775F55"/>
                 </a:solidFill>
               </a:rPr>
-              <a:t>4/1/2024</a:t>
+              <a:t>4/17/2024</a:t>
             </a:fld>
             <a:endParaRPr lang="en-US" altLang="zh-CN">
               <a:solidFill>
@@ -17461,7 +17461,7 @@
                   <a:srgbClr val="775F55"/>
                 </a:solidFill>
               </a:rPr>
-              <a:t>4/1/2024</a:t>
+              <a:t>4/17/2024</a:t>
             </a:fld>
             <a:endParaRPr lang="en-US" altLang="zh-CN">
               <a:solidFill>
@@ -17798,7 +17798,7 @@
                   <a:srgbClr val="775F55"/>
                 </a:solidFill>
               </a:rPr>
-              <a:t>4/1/2024</a:t>
+              <a:t>4/17/2024</a:t>
             </a:fld>
             <a:endParaRPr lang="en-US" altLang="zh-CN">
               <a:solidFill>
@@ -18079,7 +18079,7 @@
                   <a:srgbClr val="775F55"/>
                 </a:solidFill>
               </a:rPr>
-              <a:t>4/1/2024</a:t>
+              <a:t>4/17/2024</a:t>
             </a:fld>
             <a:endParaRPr lang="en-US" altLang="zh-CN">
               <a:solidFill>
@@ -18207,7 +18207,7 @@
           <a:p>
             <a:fld id="{5736266F-A7E6-4DBB-848D-016AD00C13DB}" type="datetimeFigureOut">
               <a:rPr lang="zh-CN" altLang="en-US" smtClean="0"/>
-              <a:t>2024/4/1</a:t>
+              <a:t>2024/4/17</a:t>
             </a:fld>
             <a:endParaRPr lang="zh-CN" altLang="en-US"/>
           </a:p>
@@ -18507,7 +18507,7 @@
                   <a:srgbClr val="775F55"/>
                 </a:solidFill>
               </a:rPr>
-              <a:t>4/1/2024</a:t>
+              <a:t>4/17/2024</a:t>
             </a:fld>
             <a:endParaRPr lang="en-US" altLang="zh-CN">
               <a:solidFill>
@@ -18845,7 +18845,7 @@
                   <a:srgbClr val="775F55"/>
                 </a:solidFill>
               </a:rPr>
-              <a:t>4/1/2024</a:t>
+              <a:t>4/17/2024</a:t>
             </a:fld>
             <a:endParaRPr lang="en-US" altLang="zh-CN">
               <a:solidFill>
@@ -19240,7 +19240,7 @@
                   <a:srgbClr val="775F55"/>
                 </a:solidFill>
               </a:rPr>
-              <a:t>4/1/2024</a:t>
+              <a:t>4/17/2024</a:t>
             </a:fld>
             <a:endParaRPr lang="en-US" altLang="zh-CN">
               <a:solidFill>
@@ -19521,7 +19521,7 @@
                   <a:srgbClr val="775F55"/>
                 </a:solidFill>
               </a:rPr>
-              <a:t>4/1/2024</a:t>
+              <a:t>4/17/2024</a:t>
             </a:fld>
             <a:endParaRPr lang="en-US" altLang="zh-CN">
               <a:solidFill>
@@ -19660,7 +19660,7 @@
                   <a:srgbClr val="775F55"/>
                 </a:solidFill>
               </a:rPr>
-              <a:t>4/1/2024</a:t>
+              <a:t>4/17/2024</a:t>
             </a:fld>
             <a:endParaRPr lang="en-US" altLang="zh-CN">
               <a:solidFill>
@@ -19856,7 +19856,7 @@
                   <a:srgbClr val="775F55"/>
                 </a:solidFill>
               </a:rPr>
-              <a:t>4/1/2024</a:t>
+              <a:t>4/17/2024</a:t>
             </a:fld>
             <a:endParaRPr lang="en-US" altLang="zh-CN">
               <a:solidFill>
@@ -20173,7 +20173,7 @@
           <a:p>
             <a:fld id="{5736266F-A7E6-4DBB-848D-016AD00C13DB}" type="datetimeFigureOut">
               <a:rPr lang="zh-CN" altLang="en-US" smtClean="0"/>
-              <a:t>2024/4/1</a:t>
+              <a:t>2024/4/17</a:t>
             </a:fld>
             <a:endParaRPr lang="zh-CN" altLang="en-US"/>
           </a:p>
@@ -20432,7 +20432,7 @@
           <a:p>
             <a:fld id="{5736266F-A7E6-4DBB-848D-016AD00C13DB}" type="datetimeFigureOut">
               <a:rPr lang="zh-CN" altLang="en-US" smtClean="0"/>
-              <a:t>2024/4/1</a:t>
+              <a:t>2024/4/17</a:t>
             </a:fld>
             <a:endParaRPr lang="zh-CN" altLang="en-US"/>
           </a:p>
@@ -20641,7 +20641,7 @@
           <a:p>
             <a:fld id="{5736266F-A7E6-4DBB-848D-016AD00C13DB}" type="datetimeFigureOut">
               <a:rPr lang="zh-CN" altLang="en-US" smtClean="0"/>
-              <a:t>2024/4/1</a:t>
+              <a:t>2024/4/17</a:t>
             </a:fld>
             <a:endParaRPr lang="zh-CN" altLang="en-US"/>
           </a:p>
@@ -21166,7 +21166,7 @@
           <a:p>
             <a:fld id="{5736266F-A7E6-4DBB-848D-016AD00C13DB}" type="datetimeFigureOut">
               <a:rPr lang="zh-CN" altLang="en-US" smtClean="0"/>
-              <a:t>2024/4/1</a:t>
+              <a:t>2024/4/17</a:t>
             </a:fld>
             <a:endParaRPr lang="zh-CN" altLang="en-US"/>
           </a:p>
@@ -21732,7 +21732,7 @@
           <a:p>
             <a:fld id="{5736266F-A7E6-4DBB-848D-016AD00C13DB}" type="datetimeFigureOut">
               <a:rPr lang="zh-CN" altLang="en-US" smtClean="0"/>
-              <a:t>2024/4/1</a:t>
+              <a:t>2024/4/17</a:t>
             </a:fld>
             <a:endParaRPr lang="zh-CN" altLang="en-US"/>
           </a:p>
@@ -22596,7 +22596,7 @@
           <a:p>
             <a:fld id="{FE2F4AC3-D76C-4930-B0CE-0F02FAFD246D}" type="datetimeFigureOut">
               <a:rPr lang="zh-CN" altLang="en-US" smtClean="0"/>
-              <a:t>2024/4/1</a:t>
+              <a:t>2024/4/17</a:t>
             </a:fld>
             <a:endParaRPr lang="zh-CN" altLang="en-US"/>
           </a:p>
@@ -23180,7 +23180,7 @@
                   <a:srgbClr val="775F55"/>
                 </a:solidFill>
               </a:rPr>
-              <a:t>4/1/2024</a:t>
+              <a:t>4/17/2024</a:t>
             </a:fld>
             <a:endParaRPr lang="en-US" altLang="zh-CN">
               <a:solidFill>
@@ -25763,15 +25763,15 @@
             </a:r>
             <a:r>
               <a:rPr lang="zh-CN" altLang="en-US" dirty="0"/>
-              <a:t>，将二者和生成的</a:t>
-            </a:r>
-            <a:r>
-              <a:rPr lang="en-US" altLang="zh-CN" dirty="0"/>
-              <a:t> json </a:t>
+              <a:t>，</a:t>
+            </a:r>
+            <a:r>
+              <a:rPr lang="zh-CN" altLang="en-US"/>
+              <a:t>将二者打包</a:t>
             </a:r>
             <a:r>
               <a:rPr lang="zh-CN" altLang="en-US" dirty="0"/>
-              <a:t>文件打包成一个压缩文件后发送到指定邮箱。</a:t>
+              <a:t>成一个压缩文件后发送到指定邮箱。</a:t>
             </a:r>
             <a:endParaRPr lang="en-US" altLang="zh-CN" dirty="0"/>
           </a:p>
